--- a/assets/slides/pwadevday2022_template.pptx
+++ b/assets/slides/pwadevday2022_template.pptx
@@ -1100,154 +1100,133 @@
           </a:p>
         </p:txBody>
       </p:sp>
-      <p:grpSp>
-        <p:nvGrpSpPr>
-          <p:cNvPr id="5" name="Group 4">
+      <p:sp>
+        <p:nvSpPr>
+          <p:cNvPr id="16" name="Rectangle 15">
             <a:extLst>
               <a:ext uri="{FF2B5EF4-FFF2-40B4-BE49-F238E27FC236}">
-                <a16:creationId xmlns:a16="http://schemas.microsoft.com/office/drawing/2014/main" id="{B2698F8E-1283-4A2B-9B3A-4FA735974525}"/>
+                <a16:creationId xmlns:a16="http://schemas.microsoft.com/office/drawing/2014/main" id="{AADABCE6-AC13-427E-8580-7CFFA9407DA0}"/>
               </a:ext>
             </a:extLst>
           </p:cNvPr>
-          <p:cNvGrpSpPr/>
+          <p:cNvSpPr/>
           <p:nvPr userDrawn="1"/>
-        </p:nvGrpSpPr>
-        <p:grpSpPr>
+        </p:nvSpPr>
+        <p:spPr>
           <a:xfrm>
-            <a:off x="931514" y="2513985"/>
-            <a:ext cx="3541354" cy="424732"/>
-            <a:chOff x="1718593" y="2697267"/>
-            <a:chExt cx="3541354" cy="424732"/>
+            <a:off x="948932" y="2513985"/>
+            <a:ext cx="3610284" cy="424732"/>
           </a:xfrm>
-        </p:grpSpPr>
-        <p:sp>
-          <p:nvSpPr>
-            <p:cNvPr id="16" name="Rectangle 15">
-              <a:extLst>
-                <a:ext uri="{FF2B5EF4-FFF2-40B4-BE49-F238E27FC236}">
-                  <a16:creationId xmlns:a16="http://schemas.microsoft.com/office/drawing/2014/main" id="{AADABCE6-AC13-427E-8580-7CFFA9407DA0}"/>
-                </a:ext>
-              </a:extLst>
-            </p:cNvPr>
-            <p:cNvSpPr/>
-            <p:nvPr userDrawn="1"/>
-          </p:nvSpPr>
-          <p:spPr>
-            <a:xfrm>
-              <a:off x="1718593" y="2697267"/>
-              <a:ext cx="3541354" cy="424732"/>
-            </a:xfrm>
-            <a:prstGeom prst="rect">
-              <a:avLst/>
-            </a:prstGeom>
-          </p:spPr>
-          <p:txBody>
-            <a:bodyPr wrap="none">
-              <a:spAutoFit/>
-            </a:bodyPr>
-            <a:lstStyle/>
-            <a:p>
-              <a:pPr algn="l"/>
-              <a:r>
-                <a:rPr lang="en-US" sz="2400" b="1" dirty="0">
-                  <a:solidFill>
-                    <a:srgbClr val="00B0F0"/>
-                  </a:solidFill>
-                  <a:latin typeface="+mj-lt"/>
-                  <a:ea typeface="+mj-ea"/>
-                </a:rPr>
-                <a:t>2022</a:t>
-              </a:r>
-              <a:r>
-                <a:rPr lang="zh-CN" altLang="en-US" sz="2400" b="1" dirty="0">
-                  <a:solidFill>
-                    <a:srgbClr val="00B0F0"/>
-                  </a:solidFill>
-                  <a:latin typeface="+mj-lt"/>
-                  <a:ea typeface="+mj-ea"/>
-                </a:rPr>
-                <a:t>中国 </a:t>
-              </a:r>
-              <a:r>
-                <a:rPr lang="en-US" altLang="zh-CN" sz="2400" b="1" dirty="0">
-                  <a:solidFill>
-                    <a:srgbClr val="00B0F0"/>
-                  </a:solidFill>
-                  <a:latin typeface="+mj-lt"/>
-                  <a:ea typeface="+mj-ea"/>
-                </a:rPr>
-                <a:t>       </a:t>
-              </a:r>
-              <a:r>
-                <a:rPr lang="en-US" altLang="zh-CN" sz="1000" b="1" dirty="0">
-                  <a:solidFill>
-                    <a:srgbClr val="00B0F0"/>
-                  </a:solidFill>
-                  <a:latin typeface="+mj-lt"/>
-                  <a:ea typeface="+mj-ea"/>
-                </a:rPr>
-                <a:t> </a:t>
-              </a:r>
-              <a:r>
-                <a:rPr lang="zh-CN" altLang="en-US" sz="2400" b="1" dirty="0">
-                  <a:solidFill>
-                    <a:srgbClr val="00B0F0"/>
-                  </a:solidFill>
-                  <a:latin typeface="+mj-lt"/>
-                  <a:ea typeface="+mj-ea"/>
-                </a:rPr>
-                <a:t>开发者日</a:t>
-              </a:r>
-              <a:endParaRPr lang="en-US" sz="2400" b="1" dirty="0">
+          <a:prstGeom prst="rect">
+            <a:avLst/>
+          </a:prstGeom>
+        </p:spPr>
+        <p:txBody>
+          <a:bodyPr wrap="none">
+            <a:spAutoFit/>
+          </a:bodyPr>
+          <a:lstStyle/>
+          <a:p>
+            <a:pPr algn="l"/>
+            <a:r>
+              <a:rPr lang="en-US" sz="2400" b="1" dirty="0">
                 <a:solidFill>
                   <a:srgbClr val="00B0F0"/>
                 </a:solidFill>
                 <a:latin typeface="+mj-lt"/>
                 <a:ea typeface="+mj-ea"/>
-              </a:endParaRPr>
-            </a:p>
-          </p:txBody>
-        </p:sp>
-        <p:pic>
-          <p:nvPicPr>
-            <p:cNvPr id="17" name="Graphic 16">
-              <a:extLst>
-                <a:ext uri="{FF2B5EF4-FFF2-40B4-BE49-F238E27FC236}">
-                  <a16:creationId xmlns:a16="http://schemas.microsoft.com/office/drawing/2014/main" id="{0FDDD51D-16E3-4267-AFA3-4C077A2DFEA2}"/>
-                </a:ext>
-              </a:extLst>
-            </p:cNvPr>
-            <p:cNvPicPr>
-              <a:picLocks noChangeAspect="1"/>
-            </p:cNvPicPr>
-            <p:nvPr userDrawn="1"/>
-          </p:nvPicPr>
-          <p:blipFill>
-            <a:blip r:embed="rId3" cstate="print">
-              <a:extLst>
-                <a:ext uri="{28A0092B-C50C-407E-A947-70E740481C1C}">
-                  <a14:useLocalDpi xmlns:a14="http://schemas.microsoft.com/office/drawing/2010/main" val="0"/>
-                </a:ext>
-                <a:ext uri="{96DAC541-7B7A-43D3-8B79-37D633B846F1}">
-                  <asvg:svgBlip xmlns:asvg="http://schemas.microsoft.com/office/drawing/2016/SVG/main" r:embed="rId4"/>
-                </a:ext>
-              </a:extLst>
-            </a:blip>
-            <a:stretch>
-              <a:fillRect/>
-            </a:stretch>
-          </p:blipFill>
-          <p:spPr>
-            <a:xfrm>
-              <a:off x="3231155" y="2755913"/>
-              <a:ext cx="731245" cy="275340"/>
-            </a:xfrm>
-            <a:prstGeom prst="rect">
-              <a:avLst/>
-            </a:prstGeom>
-          </p:spPr>
-        </p:pic>
-      </p:grpSp>
+              </a:rPr>
+              <a:t>2022</a:t>
+            </a:r>
+            <a:r>
+              <a:rPr lang="zh-CN" altLang="en-US" sz="2400" b="1" dirty="0">
+                <a:solidFill>
+                  <a:srgbClr val="00B0F0"/>
+                </a:solidFill>
+                <a:latin typeface="+mj-lt"/>
+                <a:ea typeface="+mj-ea"/>
+              </a:rPr>
+              <a:t>中国 </a:t>
+            </a:r>
+            <a:r>
+              <a:rPr lang="en-US" altLang="zh-CN" sz="2400" b="1" dirty="0">
+                <a:solidFill>
+                  <a:srgbClr val="00B0F0"/>
+                </a:solidFill>
+                <a:latin typeface="+mj-lt"/>
+                <a:ea typeface="+mj-ea"/>
+              </a:rPr>
+              <a:t>      </a:t>
+            </a:r>
+            <a:r>
+              <a:rPr lang="en-US" altLang="zh-CN" sz="1600" b="1" dirty="0">
+                <a:solidFill>
+                  <a:srgbClr val="00B0F0"/>
+                </a:solidFill>
+                <a:latin typeface="+mj-lt"/>
+                <a:ea typeface="+mj-ea"/>
+              </a:rPr>
+              <a:t>   </a:t>
+            </a:r>
+            <a:r>
+              <a:rPr lang="zh-CN" altLang="en-US" sz="2400" b="1" dirty="0">
+                <a:solidFill>
+                  <a:srgbClr val="00B0F0"/>
+                </a:solidFill>
+                <a:latin typeface="+mj-lt"/>
+                <a:ea typeface="+mj-ea"/>
+              </a:rPr>
+              <a:t>开发者日</a:t>
+            </a:r>
+            <a:endParaRPr lang="en-US" sz="2400" b="1" dirty="0">
+              <a:solidFill>
+                <a:srgbClr val="00B0F0"/>
+              </a:solidFill>
+              <a:latin typeface="+mj-lt"/>
+              <a:ea typeface="+mj-ea"/>
+            </a:endParaRPr>
+          </a:p>
+        </p:txBody>
+      </p:sp>
+      <p:pic>
+        <p:nvPicPr>
+          <p:cNvPr id="17" name="Graphic 16">
+            <a:extLst>
+              <a:ext uri="{FF2B5EF4-FFF2-40B4-BE49-F238E27FC236}">
+                <a16:creationId xmlns:a16="http://schemas.microsoft.com/office/drawing/2014/main" id="{0FDDD51D-16E3-4267-AFA3-4C077A2DFEA2}"/>
+              </a:ext>
+            </a:extLst>
+          </p:cNvPr>
+          <p:cNvPicPr>
+            <a:picLocks noChangeAspect="1"/>
+          </p:cNvPicPr>
+          <p:nvPr userDrawn="1"/>
+        </p:nvPicPr>
+        <p:blipFill>
+          <a:blip r:embed="rId3" cstate="print">
+            <a:extLst>
+              <a:ext uri="{28A0092B-C50C-407E-A947-70E740481C1C}">
+                <a14:useLocalDpi xmlns:a14="http://schemas.microsoft.com/office/drawing/2010/main" val="0"/>
+              </a:ext>
+              <a:ext uri="{96DAC541-7B7A-43D3-8B79-37D633B846F1}">
+                <asvg:svgBlip xmlns:asvg="http://schemas.microsoft.com/office/drawing/2016/SVG/main" r:embed="rId4"/>
+              </a:ext>
+            </a:extLst>
+          </a:blip>
+          <a:stretch>
+            <a:fillRect/>
+          </a:stretch>
+        </p:blipFill>
+        <p:spPr>
+          <a:xfrm>
+            <a:off x="2444076" y="2572631"/>
+            <a:ext cx="731245" cy="275340"/>
+          </a:xfrm>
+          <a:prstGeom prst="rect">
+            <a:avLst/>
+          </a:prstGeom>
+        </p:spPr>
+      </p:pic>
       <p:pic>
         <p:nvPicPr>
           <p:cNvPr id="7" name="Graphic 6">
@@ -6490,14 +6469,14 @@
 <ds:datastoreItem xmlns:ds="http://schemas.openxmlformats.org/officeDocument/2006/customXml" ds:itemID="{724B8A99-8161-4D52-8DFD-478F5C1B3170}">
   <ds:schemaRefs>
     <ds:schemaRef ds:uri="http://purl.org/dc/terms/"/>
-    <ds:schemaRef ds:uri="e9d1035c-67d4-4928-b713-82f7150888ab"/>
+    <ds:schemaRef ds:uri="http://schemas.openxmlformats.org/package/2006/metadata/core-properties"/>
     <ds:schemaRef ds:uri="http://purl.org/dc/dcmitype/"/>
+    <ds:schemaRef ds:uri="http://schemas.microsoft.com/office/infopath/2007/PartnerControls"/>
     <ds:schemaRef ds:uri="http://schemas.microsoft.com/office/2006/documentManagement/types"/>
     <ds:schemaRef ds:uri="http://purl.org/dc/elements/1.1/"/>
     <ds:schemaRef ds:uri="http://schemas.microsoft.com/office/2006/metadata/properties"/>
+    <ds:schemaRef ds:uri="e9d1035c-67d4-4928-b713-82f7150888ab"/>
     <ds:schemaRef ds:uri="ad5f19aa-d21e-4b88-b1ab-6caa40169551"/>
-    <ds:schemaRef ds:uri="http://schemas.microsoft.com/office/infopath/2007/PartnerControls"/>
-    <ds:schemaRef ds:uri="http://schemas.openxmlformats.org/package/2006/metadata/core-properties"/>
     <ds:schemaRef ds:uri="http://www.w3.org/XML/1998/namespace"/>
   </ds:schemaRefs>
 </ds:datastoreItem>
